--- a/CapstoneSlides/CapstoneClass06.pptx
+++ b/CapstoneSlides/CapstoneClass06.pptx
@@ -239,7 +239,7 @@
           <a:p>
             <a:fld id="{C24322AF-E05B-7249-906C-FBAC6154C037}" type="datetimeFigureOut">
               <a:rPr lang="en-US" smtClean="0"/>
-              <a:t>6/18/25</a:t>
+              <a:t>6/19/25</a:t>
             </a:fld>
             <a:endParaRPr lang="en-US"/>
           </a:p>
@@ -405,7 +405,7 @@
             <a:fld id="{06A43BE5-3BD4-F642-8751-88A31D8D6D13}" type="datetimeFigureOut">
               <a:rPr lang="en-US" smtClean="0"/>
               <a:pPr/>
-              <a:t>6/18/25</a:t>
+              <a:t>6/19/25</a:t>
             </a:fld>
             <a:endParaRPr lang="en-US"/>
           </a:p>
@@ -948,7 +948,7 @@
             <a:fld id="{A4FA2B0E-4818-9849-9CF1-1031FD4E1DAB}" type="datetimeFigureOut">
               <a:rPr lang="en-US" smtClean="0"/>
               <a:pPr/>
-              <a:t>6/18/25</a:t>
+              <a:t>6/19/25</a:t>
             </a:fld>
             <a:endParaRPr lang="en-US"/>
           </a:p>
@@ -1113,7 +1113,7 @@
             <a:fld id="{A4FA2B0E-4818-9849-9CF1-1031FD4E1DAB}" type="datetimeFigureOut">
               <a:rPr lang="en-US" smtClean="0"/>
               <a:pPr/>
-              <a:t>6/18/25</a:t>
+              <a:t>6/19/25</a:t>
             </a:fld>
             <a:endParaRPr lang="en-US"/>
           </a:p>
@@ -1288,7 +1288,7 @@
             <a:fld id="{A4FA2B0E-4818-9849-9CF1-1031FD4E1DAB}" type="datetimeFigureOut">
               <a:rPr lang="en-US" smtClean="0"/>
               <a:pPr/>
-              <a:t>6/18/25</a:t>
+              <a:t>6/19/25</a:t>
             </a:fld>
             <a:endParaRPr lang="en-US"/>
           </a:p>
@@ -1453,7 +1453,7 @@
             <a:fld id="{A4FA2B0E-4818-9849-9CF1-1031FD4E1DAB}" type="datetimeFigureOut">
               <a:rPr lang="en-US" smtClean="0"/>
               <a:pPr/>
-              <a:t>6/18/25</a:t>
+              <a:t>6/19/25</a:t>
             </a:fld>
             <a:endParaRPr lang="en-US"/>
           </a:p>
@@ -1695,7 +1695,7 @@
             <a:fld id="{A4FA2B0E-4818-9849-9CF1-1031FD4E1DAB}" type="datetimeFigureOut">
               <a:rPr lang="en-US" smtClean="0"/>
               <a:pPr/>
-              <a:t>6/18/25</a:t>
+              <a:t>6/19/25</a:t>
             </a:fld>
             <a:endParaRPr lang="en-US"/>
           </a:p>
@@ -1977,7 +1977,7 @@
             <a:fld id="{A4FA2B0E-4818-9849-9CF1-1031FD4E1DAB}" type="datetimeFigureOut">
               <a:rPr lang="en-US" smtClean="0"/>
               <a:pPr/>
-              <a:t>6/18/25</a:t>
+              <a:t>6/19/25</a:t>
             </a:fld>
             <a:endParaRPr lang="en-US"/>
           </a:p>
@@ -2393,7 +2393,7 @@
             <a:fld id="{A4FA2B0E-4818-9849-9CF1-1031FD4E1DAB}" type="datetimeFigureOut">
               <a:rPr lang="en-US" smtClean="0"/>
               <a:pPr/>
-              <a:t>6/18/25</a:t>
+              <a:t>6/19/25</a:t>
             </a:fld>
             <a:endParaRPr lang="en-US"/>
           </a:p>
@@ -2507,7 +2507,7 @@
             <a:fld id="{A4FA2B0E-4818-9849-9CF1-1031FD4E1DAB}" type="datetimeFigureOut">
               <a:rPr lang="en-US" smtClean="0"/>
               <a:pPr/>
-              <a:t>6/18/25</a:t>
+              <a:t>6/19/25</a:t>
             </a:fld>
             <a:endParaRPr lang="en-US"/>
           </a:p>
@@ -2599,7 +2599,7 @@
             <a:fld id="{A4FA2B0E-4818-9849-9CF1-1031FD4E1DAB}" type="datetimeFigureOut">
               <a:rPr lang="en-US" smtClean="0"/>
               <a:pPr/>
-              <a:t>6/18/25</a:t>
+              <a:t>6/19/25</a:t>
             </a:fld>
             <a:endParaRPr lang="en-US"/>
           </a:p>
@@ -2871,7 +2871,7 @@
             <a:fld id="{A4FA2B0E-4818-9849-9CF1-1031FD4E1DAB}" type="datetimeFigureOut">
               <a:rPr lang="en-US" smtClean="0"/>
               <a:pPr/>
-              <a:t>6/18/25</a:t>
+              <a:t>6/19/25</a:t>
             </a:fld>
             <a:endParaRPr lang="en-US"/>
           </a:p>
@@ -3120,7 +3120,7 @@
             <a:fld id="{A4FA2B0E-4818-9849-9CF1-1031FD4E1DAB}" type="datetimeFigureOut">
               <a:rPr lang="en-US" smtClean="0"/>
               <a:pPr/>
-              <a:t>6/18/25</a:t>
+              <a:t>6/19/25</a:t>
             </a:fld>
             <a:endParaRPr lang="en-US"/>
           </a:p>
@@ -3328,7 +3328,7 @@
             <a:fld id="{A4FA2B0E-4818-9849-9CF1-1031FD4E1DAB}" type="datetimeFigureOut">
               <a:rPr lang="en-US" smtClean="0"/>
               <a:pPr/>
-              <a:t>6/18/25</a:t>
+              <a:t>6/19/25</a:t>
             </a:fld>
             <a:endParaRPr lang="en-US"/>
           </a:p>
@@ -8086,7 +8086,7 @@
                 <a:ea typeface="MS Mincho" panose="02020609040205080304" pitchFamily="49" charset="-128"/>
                 <a:cs typeface="Times New Roman" panose="02020603050405020304" pitchFamily="18" charset="0"/>
               </a:rPr>
-              <a:t>Abstract should be submitted electronically before the start of the next class to the instructor via e-mail</a:t>
+              <a:t>Abstract should be submitted electronically before the start of the next class</a:t>
             </a:r>
             <a:endParaRPr lang="en-US" sz="1200" dirty="0">
               <a:latin typeface="Times New Roman" panose="02020603050405020304" pitchFamily="18" charset="0"/>
